--- a/figures/figures.pptx
+++ b/figures/figures.pptx
@@ -9,8 +9,9 @@
     <p:sldId id="257" r:id="rId3"/>
     <p:sldId id="258" r:id="rId4"/>
     <p:sldId id="259" r:id="rId5"/>
-    <p:sldId id="260" r:id="rId6"/>
-    <p:sldId id="261" r:id="rId7"/>
+    <p:sldId id="262" r:id="rId6"/>
+    <p:sldId id="260" r:id="rId7"/>
+    <p:sldId id="261" r:id="rId8"/>
   </p:sldIdLst>
   <p:sldSz cx="9144000" cy="6858000" type="screen4x3"/>
   <p:notesSz cx="6858000" cy="9144000"/>
@@ -3792,6 +3793,171 @@
       </p:grpSpPr>
       <p:grpSp>
         <p:nvGrpSpPr>
+          <p:cNvPr id="2" name="Group 1">
+            <a:extLst>
+              <a:ext uri="{FF2B5EF4-FFF2-40B4-BE49-F238E27FC236}">
+                <a16:creationId xmlns:a16="http://schemas.microsoft.com/office/drawing/2014/main" id="{F608CF4B-DBC5-ED61-AFAC-B1C3D051C21C}"/>
+              </a:ext>
+            </a:extLst>
+          </p:cNvPr>
+          <p:cNvGrpSpPr/>
+          <p:nvPr/>
+        </p:nvGrpSpPr>
+        <p:grpSpPr>
+          <a:xfrm>
+            <a:off x="-1436985" y="1523999"/>
+            <a:ext cx="12017969" cy="3810001"/>
+            <a:chOff x="-1834940" y="765430"/>
+            <a:chExt cx="12017969" cy="3810001"/>
+          </a:xfrm>
+        </p:grpSpPr>
+        <p:sp>
+          <p:nvSpPr>
+            <p:cNvPr id="3" name="Rectangle 2">
+              <a:extLst>
+                <a:ext uri="{FF2B5EF4-FFF2-40B4-BE49-F238E27FC236}">
+                  <a16:creationId xmlns:a16="http://schemas.microsoft.com/office/drawing/2014/main" id="{3F66270C-B32A-ED67-6E24-8F9DCBEAF085}"/>
+                </a:ext>
+              </a:extLst>
+            </p:cNvPr>
+            <p:cNvSpPr/>
+            <p:nvPr/>
+          </p:nvSpPr>
+          <p:spPr>
+            <a:xfrm>
+              <a:off x="-1834940" y="765430"/>
+              <a:ext cx="12017969" cy="3810000"/>
+            </a:xfrm>
+            <a:prstGeom prst="rect">
+              <a:avLst/>
+            </a:prstGeom>
+            <a:solidFill>
+              <a:schemeClr val="bg1"/>
+            </a:solidFill>
+            <a:ln>
+              <a:solidFill>
+                <a:schemeClr val="bg1"/>
+              </a:solidFill>
+            </a:ln>
+          </p:spPr>
+          <p:style>
+            <a:lnRef idx="2">
+              <a:schemeClr val="accent1">
+                <a:shade val="50000"/>
+              </a:schemeClr>
+            </a:lnRef>
+            <a:fillRef idx="1">
+              <a:schemeClr val="accent1"/>
+            </a:fillRef>
+            <a:effectRef idx="0">
+              <a:schemeClr val="accent1"/>
+            </a:effectRef>
+            <a:fontRef idx="minor">
+              <a:schemeClr val="lt1"/>
+            </a:fontRef>
+          </p:style>
+          <p:txBody>
+            <a:bodyPr rtlCol="0" anchor="ctr"/>
+            <a:lstStyle/>
+            <a:p>
+              <a:pPr algn="ctr"/>
+              <a:endParaRPr lang="en-US"/>
+            </a:p>
+          </p:txBody>
+        </p:sp>
+        <p:pic>
+          <p:nvPicPr>
+            <p:cNvPr id="4" name="Picture 3" descr="Chart&#10;&#10;Description automatically generated">
+              <a:extLst>
+                <a:ext uri="{FF2B5EF4-FFF2-40B4-BE49-F238E27FC236}">
+                  <a16:creationId xmlns:a16="http://schemas.microsoft.com/office/drawing/2014/main" id="{4BBCEB07-6491-FB62-5523-93D66DA3A1CB}"/>
+                </a:ext>
+              </a:extLst>
+            </p:cNvPr>
+            <p:cNvPicPr>
+              <a:picLocks noChangeAspect="1"/>
+            </p:cNvPicPr>
+            <p:nvPr/>
+          </p:nvPicPr>
+          <p:blipFill>
+            <a:blip r:embed="rId2"/>
+            <a:stretch>
+              <a:fillRect/>
+            </a:stretch>
+          </p:blipFill>
+          <p:spPr>
+            <a:xfrm>
+              <a:off x="-1799771" y="765431"/>
+              <a:ext cx="6629400" cy="3657600"/>
+            </a:xfrm>
+            <a:prstGeom prst="rect">
+              <a:avLst/>
+            </a:prstGeom>
+          </p:spPr>
+        </p:pic>
+        <p:pic>
+          <p:nvPicPr>
+            <p:cNvPr id="5" name="Picture 4" descr="A picture containing histogram&#10;&#10;Description automatically generated">
+              <a:extLst>
+                <a:ext uri="{FF2B5EF4-FFF2-40B4-BE49-F238E27FC236}">
+                  <a16:creationId xmlns:a16="http://schemas.microsoft.com/office/drawing/2014/main" id="{1F4632B9-6DA9-5993-443C-544E5AD3F994}"/>
+                </a:ext>
+              </a:extLst>
+            </p:cNvPr>
+            <p:cNvPicPr>
+              <a:picLocks noChangeAspect="1"/>
+            </p:cNvPicPr>
+            <p:nvPr/>
+          </p:nvPicPr>
+          <p:blipFill>
+            <a:blip r:embed="rId3"/>
+            <a:stretch>
+              <a:fillRect/>
+            </a:stretch>
+          </p:blipFill>
+          <p:spPr>
+            <a:xfrm>
+              <a:off x="4696629" y="765431"/>
+              <a:ext cx="5486400" cy="3810000"/>
+            </a:xfrm>
+            <a:prstGeom prst="rect">
+              <a:avLst/>
+            </a:prstGeom>
+          </p:spPr>
+        </p:pic>
+      </p:grpSp>
+    </p:spTree>
+    <p:extLst>
+      <p:ext uri="{BB962C8B-B14F-4D97-AF65-F5344CB8AC3E}">
+        <p14:creationId xmlns:p14="http://schemas.microsoft.com/office/powerpoint/2010/main" val="4015603213"/>
+      </p:ext>
+    </p:extLst>
+  </p:cSld>
+  <p:clrMapOvr>
+    <a:masterClrMapping/>
+  </p:clrMapOvr>
+</p:sld>
+</file>
+
+<file path=ppt/slides/slide6.xml><?xml version="1.0" encoding="utf-8"?>
+<p:sld xmlns:a="http://schemas.openxmlformats.org/drawingml/2006/main" xmlns:r="http://schemas.openxmlformats.org/officeDocument/2006/relationships" xmlns:p="http://schemas.openxmlformats.org/presentationml/2006/main">
+  <p:cSld>
+    <p:spTree>
+      <p:nvGrpSpPr>
+        <p:cNvPr id="1" name=""/>
+        <p:cNvGrpSpPr/>
+        <p:nvPr/>
+      </p:nvGrpSpPr>
+      <p:grpSpPr>
+        <a:xfrm>
+          <a:off x="0" y="0"/>
+          <a:ext cx="0" cy="0"/>
+          <a:chOff x="0" y="0"/>
+          <a:chExt cx="0" cy="0"/>
+        </a:xfrm>
+      </p:grpSpPr>
+      <p:grpSp>
+        <p:nvGrpSpPr>
           <p:cNvPr id="5" name="Group 4">
             <a:extLst>
               <a:ext uri="{FF2B5EF4-FFF2-40B4-BE49-F238E27FC236}">
@@ -3908,7 +4074,7 @@
 </p:sld>
 </file>
 
-<file path=ppt/slides/slide6.xml><?xml version="1.0" encoding="utf-8"?>
+<file path=ppt/slides/slide7.xml><?xml version="1.0" encoding="utf-8"?>
 <p:sld xmlns:a="http://schemas.openxmlformats.org/drawingml/2006/main" xmlns:r="http://schemas.openxmlformats.org/officeDocument/2006/relationships" xmlns:p="http://schemas.openxmlformats.org/presentationml/2006/main">
   <p:cSld>
     <p:spTree>

--- a/figures/figures.pptx
+++ b/figures/figures.pptx
@@ -249,7 +249,7 @@
           <a:p>
             <a:fld id="{64F38AB1-F19C-084E-AF74-DFE1B5FFEFE3}" type="datetimeFigureOut">
               <a:rPr lang="en-US" smtClean="0"/>
-              <a:t>1/22/23</a:t>
+              <a:t>1/23/23</a:t>
             </a:fld>
             <a:endParaRPr lang="en-US"/>
           </a:p>
@@ -419,7 +419,7 @@
           <a:p>
             <a:fld id="{64F38AB1-F19C-084E-AF74-DFE1B5FFEFE3}" type="datetimeFigureOut">
               <a:rPr lang="en-US" smtClean="0"/>
-              <a:t>1/22/23</a:t>
+              <a:t>1/23/23</a:t>
             </a:fld>
             <a:endParaRPr lang="en-US"/>
           </a:p>
@@ -599,7 +599,7 @@
           <a:p>
             <a:fld id="{64F38AB1-F19C-084E-AF74-DFE1B5FFEFE3}" type="datetimeFigureOut">
               <a:rPr lang="en-US" smtClean="0"/>
-              <a:t>1/22/23</a:t>
+              <a:t>1/23/23</a:t>
             </a:fld>
             <a:endParaRPr lang="en-US"/>
           </a:p>
@@ -769,7 +769,7 @@
           <a:p>
             <a:fld id="{64F38AB1-F19C-084E-AF74-DFE1B5FFEFE3}" type="datetimeFigureOut">
               <a:rPr lang="en-US" smtClean="0"/>
-              <a:t>1/22/23</a:t>
+              <a:t>1/23/23</a:t>
             </a:fld>
             <a:endParaRPr lang="en-US"/>
           </a:p>
@@ -1013,7 +1013,7 @@
           <a:p>
             <a:fld id="{64F38AB1-F19C-084E-AF74-DFE1B5FFEFE3}" type="datetimeFigureOut">
               <a:rPr lang="en-US" smtClean="0"/>
-              <a:t>1/22/23</a:t>
+              <a:t>1/23/23</a:t>
             </a:fld>
             <a:endParaRPr lang="en-US"/>
           </a:p>
@@ -1245,7 +1245,7 @@
           <a:p>
             <a:fld id="{64F38AB1-F19C-084E-AF74-DFE1B5FFEFE3}" type="datetimeFigureOut">
               <a:rPr lang="en-US" smtClean="0"/>
-              <a:t>1/22/23</a:t>
+              <a:t>1/23/23</a:t>
             </a:fld>
             <a:endParaRPr lang="en-US"/>
           </a:p>
@@ -1612,7 +1612,7 @@
           <a:p>
             <a:fld id="{64F38AB1-F19C-084E-AF74-DFE1B5FFEFE3}" type="datetimeFigureOut">
               <a:rPr lang="en-US" smtClean="0"/>
-              <a:t>1/22/23</a:t>
+              <a:t>1/23/23</a:t>
             </a:fld>
             <a:endParaRPr lang="en-US"/>
           </a:p>
@@ -1730,7 +1730,7 @@
           <a:p>
             <a:fld id="{64F38AB1-F19C-084E-AF74-DFE1B5FFEFE3}" type="datetimeFigureOut">
               <a:rPr lang="en-US" smtClean="0"/>
-              <a:t>1/22/23</a:t>
+              <a:t>1/23/23</a:t>
             </a:fld>
             <a:endParaRPr lang="en-US"/>
           </a:p>
@@ -1825,7 +1825,7 @@
           <a:p>
             <a:fld id="{64F38AB1-F19C-084E-AF74-DFE1B5FFEFE3}" type="datetimeFigureOut">
               <a:rPr lang="en-US" smtClean="0"/>
-              <a:t>1/22/23</a:t>
+              <a:t>1/23/23</a:t>
             </a:fld>
             <a:endParaRPr lang="en-US"/>
           </a:p>
@@ -2102,7 +2102,7 @@
           <a:p>
             <a:fld id="{64F38AB1-F19C-084E-AF74-DFE1B5FFEFE3}" type="datetimeFigureOut">
               <a:rPr lang="en-US" smtClean="0"/>
-              <a:t>1/22/23</a:t>
+              <a:t>1/23/23</a:t>
             </a:fld>
             <a:endParaRPr lang="en-US"/>
           </a:p>
@@ -2359,7 +2359,7 @@
           <a:p>
             <a:fld id="{64F38AB1-F19C-084E-AF74-DFE1B5FFEFE3}" type="datetimeFigureOut">
               <a:rPr lang="en-US" smtClean="0"/>
-              <a:t>1/22/23</a:t>
+              <a:t>1/23/23</a:t>
             </a:fld>
             <a:endParaRPr lang="en-US"/>
           </a:p>
@@ -2572,7 +2572,7 @@
           <a:p>
             <a:fld id="{64F38AB1-F19C-084E-AF74-DFE1B5FFEFE3}" type="datetimeFigureOut">
               <a:rPr lang="en-US" smtClean="0"/>
-              <a:t>1/22/23</a:t>
+              <a:t>1/23/23</a:t>
             </a:fld>
             <a:endParaRPr lang="en-US"/>
           </a:p>
@@ -3796,7 +3796,7 @@
           <p:cNvPr id="2" name="Group 1">
             <a:extLst>
               <a:ext uri="{FF2B5EF4-FFF2-40B4-BE49-F238E27FC236}">
-                <a16:creationId xmlns:a16="http://schemas.microsoft.com/office/drawing/2014/main" id="{F608CF4B-DBC5-ED61-AFAC-B1C3D051C21C}"/>
+                <a16:creationId xmlns:a16="http://schemas.microsoft.com/office/drawing/2014/main" id="{80371F75-9056-1C48-E89D-DA637BDB58AC}"/>
               </a:ext>
             </a:extLst>
           </p:cNvPr>
@@ -3813,10 +3813,10 @@
         </p:grpSpPr>
         <p:sp>
           <p:nvSpPr>
-            <p:cNvPr id="3" name="Rectangle 2">
+            <p:cNvPr id="6" name="Rectangle 5">
               <a:extLst>
                 <a:ext uri="{FF2B5EF4-FFF2-40B4-BE49-F238E27FC236}">
-                  <a16:creationId xmlns:a16="http://schemas.microsoft.com/office/drawing/2014/main" id="{3F66270C-B32A-ED67-6E24-8F9DCBEAF085}"/>
+                  <a16:creationId xmlns:a16="http://schemas.microsoft.com/office/drawing/2014/main" id="{DF0B98EF-EB13-7E15-5411-AD232A98227A}"/>
                 </a:ext>
               </a:extLst>
             </p:cNvPr>
@@ -3867,10 +3867,10 @@
         </p:sp>
         <p:pic>
           <p:nvPicPr>
-            <p:cNvPr id="4" name="Picture 3" descr="Chart&#10;&#10;Description automatically generated">
+            <p:cNvPr id="8" name="Picture 7" descr="Chart&#10;&#10;Description automatically generated">
               <a:extLst>
                 <a:ext uri="{FF2B5EF4-FFF2-40B4-BE49-F238E27FC236}">
-                  <a16:creationId xmlns:a16="http://schemas.microsoft.com/office/drawing/2014/main" id="{4BBCEB07-6491-FB62-5523-93D66DA3A1CB}"/>
+                  <a16:creationId xmlns:a16="http://schemas.microsoft.com/office/drawing/2014/main" id="{F5B27BAE-29A2-F48F-6B4C-E916182FA814}"/>
                 </a:ext>
               </a:extLst>
             </p:cNvPr>
@@ -3897,10 +3897,10 @@
         </p:pic>
         <p:pic>
           <p:nvPicPr>
-            <p:cNvPr id="5" name="Picture 4" descr="A picture containing histogram&#10;&#10;Description automatically generated">
+            <p:cNvPr id="9" name="Picture 8" descr="A picture containing histogram&#10;&#10;Description automatically generated">
               <a:extLst>
                 <a:ext uri="{FF2B5EF4-FFF2-40B4-BE49-F238E27FC236}">
-                  <a16:creationId xmlns:a16="http://schemas.microsoft.com/office/drawing/2014/main" id="{1F4632B9-6DA9-5993-443C-544E5AD3F994}"/>
+                  <a16:creationId xmlns:a16="http://schemas.microsoft.com/office/drawing/2014/main" id="{4811BF84-5D00-4DA2-D5E1-0072C52D45EE}"/>
                 </a:ext>
               </a:extLst>
             </p:cNvPr>
